--- a/docs/images/components2.pptx
+++ b/docs/images/components2.pptx
@@ -261,7 +261,7 @@
           <a:p>
             <a:fld id="{19645D8C-4EAC-A548-94DE-127F8D402EB2}" type="datetimeFigureOut">
               <a:rPr lang="en-US" smtClean="0"/>
-              <a:t>7/27/22</a:t>
+              <a:t>7/28/22</a:t>
             </a:fld>
             <a:endParaRPr lang="en-US"/>
           </a:p>
@@ -436,7 +436,7 @@
           <a:p>
             <a:fld id="{19645D8C-4EAC-A548-94DE-127F8D402EB2}" type="datetimeFigureOut">
               <a:rPr lang="en-US" smtClean="0"/>
-              <a:t>7/27/22</a:t>
+              <a:t>7/28/22</a:t>
             </a:fld>
             <a:endParaRPr lang="en-US"/>
           </a:p>
@@ -621,7 +621,7 @@
           <a:p>
             <a:fld id="{19645D8C-4EAC-A548-94DE-127F8D402EB2}" type="datetimeFigureOut">
               <a:rPr lang="en-US" smtClean="0"/>
-              <a:t>7/27/22</a:t>
+              <a:t>7/28/22</a:t>
             </a:fld>
             <a:endParaRPr lang="en-US"/>
           </a:p>
@@ -796,7 +796,7 @@
           <a:p>
             <a:fld id="{19645D8C-4EAC-A548-94DE-127F8D402EB2}" type="datetimeFigureOut">
               <a:rPr lang="en-US" smtClean="0"/>
-              <a:t>7/27/22</a:t>
+              <a:t>7/28/22</a:t>
             </a:fld>
             <a:endParaRPr lang="en-US"/>
           </a:p>
@@ -1076,7 +1076,7 @@
           <a:p>
             <a:fld id="{19645D8C-4EAC-A548-94DE-127F8D402EB2}" type="datetimeFigureOut">
               <a:rPr lang="en-US" smtClean="0"/>
-              <a:t>7/27/22</a:t>
+              <a:t>7/28/22</a:t>
             </a:fld>
             <a:endParaRPr lang="en-US"/>
           </a:p>
@@ -1294,7 +1294,7 @@
           <a:p>
             <a:fld id="{19645D8C-4EAC-A548-94DE-127F8D402EB2}" type="datetimeFigureOut">
               <a:rPr lang="en-US" smtClean="0"/>
-              <a:t>7/27/22</a:t>
+              <a:t>7/28/22</a:t>
             </a:fld>
             <a:endParaRPr lang="en-US"/>
           </a:p>
@@ -1667,7 +1667,7 @@
           <a:p>
             <a:fld id="{19645D8C-4EAC-A548-94DE-127F8D402EB2}" type="datetimeFigureOut">
               <a:rPr lang="en-US" smtClean="0"/>
-              <a:t>7/27/22</a:t>
+              <a:t>7/28/22</a:t>
             </a:fld>
             <a:endParaRPr lang="en-US"/>
           </a:p>
@@ -1809,7 +1809,7 @@
           <a:p>
             <a:fld id="{19645D8C-4EAC-A548-94DE-127F8D402EB2}" type="datetimeFigureOut">
               <a:rPr lang="en-US" smtClean="0"/>
-              <a:t>7/27/22</a:t>
+              <a:t>7/28/22</a:t>
             </a:fld>
             <a:endParaRPr lang="en-US"/>
           </a:p>
@@ -1922,7 +1922,7 @@
           <a:p>
             <a:fld id="{19645D8C-4EAC-A548-94DE-127F8D402EB2}" type="datetimeFigureOut">
               <a:rPr lang="en-US" smtClean="0"/>
-              <a:t>7/27/22</a:t>
+              <a:t>7/28/22</a:t>
             </a:fld>
             <a:endParaRPr lang="en-US"/>
           </a:p>
@@ -2214,7 +2214,7 @@
           <a:p>
             <a:fld id="{19645D8C-4EAC-A548-94DE-127F8D402EB2}" type="datetimeFigureOut">
               <a:rPr lang="en-US" smtClean="0"/>
-              <a:t>7/27/22</a:t>
+              <a:t>7/28/22</a:t>
             </a:fld>
             <a:endParaRPr lang="en-US"/>
           </a:p>
@@ -2507,7 +2507,7 @@
           <a:p>
             <a:fld id="{19645D8C-4EAC-A548-94DE-127F8D402EB2}" type="datetimeFigureOut">
               <a:rPr lang="en-US" smtClean="0"/>
-              <a:t>7/27/22</a:t>
+              <a:t>7/28/22</a:t>
             </a:fld>
             <a:endParaRPr lang="en-US"/>
           </a:p>
@@ -2725,7 +2725,7 @@
           <a:p>
             <a:fld id="{19645D8C-4EAC-A548-94DE-127F8D402EB2}" type="datetimeFigureOut">
               <a:rPr lang="en-US" smtClean="0"/>
-              <a:t>7/27/22</a:t>
+              <a:t>7/28/22</a:t>
             </a:fld>
             <a:endParaRPr lang="en-US"/>
           </a:p>
@@ -4828,7 +4828,7 @@
                     </a:schemeClr>
                   </a:solidFill>
                 </a:rPr>
-                <a:t>Library</a:t>
+                <a:t>PlanQK Library</a:t>
               </a:r>
             </a:p>
             <a:p>
